--- a/Teste Aceitação.pptx
+++ b/Teste Aceitação.pptx
@@ -272,7 +272,7 @@
           <a:p>
             <a:fld id="{C43A76A3-ADC8-4477-8FC1-B9DD55D84908}" type="datetime1">
               <a:rPr lang="en-US" smtClean="0"/>
-              <a:t>10/26/2025</a:t>
+              <a:t>10/27/2025</a:t>
             </a:fld>
             <a:endParaRPr lang="en-US" dirty="0"/>
           </a:p>
@@ -470,7 +470,7 @@
           <a:p>
             <a:fld id="{D6762538-DC4D-4667-96E5-B3278DDF8B12}" type="datetime1">
               <a:rPr lang="en-US" smtClean="0"/>
-              <a:t>10/26/2025</a:t>
+              <a:t>10/27/2025</a:t>
             </a:fld>
             <a:endParaRPr lang="en-US"/>
           </a:p>
@@ -678,7 +678,7 @@
           <a:p>
             <a:fld id="{05880548-5C08-4BE3-B63E-F2BB63B0B00C}" type="datetime1">
               <a:rPr lang="en-US" smtClean="0"/>
-              <a:t>10/26/2025</a:t>
+              <a:t>10/27/2025</a:t>
             </a:fld>
             <a:endParaRPr lang="en-US"/>
           </a:p>
@@ -876,7 +876,7 @@
           <a:p>
             <a:fld id="{DE7F49BE-398D-479A-8A7E-5DDBCA61EDCB}" type="datetime1">
               <a:rPr lang="en-US" smtClean="0"/>
-              <a:t>10/26/2025</a:t>
+              <a:t>10/27/2025</a:t>
             </a:fld>
             <a:endParaRPr lang="en-US"/>
           </a:p>
@@ -1152,7 +1152,7 @@
           <a:p>
             <a:fld id="{CCD0C193-4974-4A1F-9C63-07D595E30D66}" type="datetime1">
               <a:rPr lang="en-US" smtClean="0"/>
-              <a:t>10/26/2025</a:t>
+              <a:t>10/27/2025</a:t>
             </a:fld>
             <a:endParaRPr lang="en-US"/>
           </a:p>
@@ -1419,7 +1419,7 @@
           <a:p>
             <a:fld id="{701AA87F-28D4-4BF0-B81F-877A89DFD5AC}" type="datetime1">
               <a:rPr lang="en-US" smtClean="0"/>
-              <a:t>10/26/2025</a:t>
+              <a:t>10/27/2025</a:t>
             </a:fld>
             <a:endParaRPr lang="en-US"/>
           </a:p>
@@ -1833,7 +1833,7 @@
           <a:p>
             <a:fld id="{A8A9F1F3-208B-49A3-B337-9C8ACEB3E0E1}" type="datetime1">
               <a:rPr lang="en-US" smtClean="0"/>
-              <a:t>10/26/2025</a:t>
+              <a:t>10/27/2025</a:t>
             </a:fld>
             <a:endParaRPr lang="en-US"/>
           </a:p>
@@ -1980,7 +1980,7 @@
           <a:p>
             <a:fld id="{27AF6CA6-7293-4AA2-A0E0-A3BF4416E786}" type="datetime1">
               <a:rPr lang="en-US" smtClean="0"/>
-              <a:t>10/26/2025</a:t>
+              <a:t>10/27/2025</a:t>
             </a:fld>
             <a:endParaRPr lang="en-US"/>
           </a:p>
@@ -2093,7 +2093,7 @@
           <a:p>
             <a:fld id="{98D87016-7BCD-46FB-8EE3-AB6C369108B4}" type="datetime1">
               <a:rPr lang="en-US" smtClean="0"/>
-              <a:t>10/26/2025</a:t>
+              <a:t>10/27/2025</a:t>
             </a:fld>
             <a:endParaRPr lang="en-US"/>
           </a:p>
@@ -2412,7 +2412,7 @@
           <a:p>
             <a:fld id="{A1547011-1FFC-4EF8-9A2E-53B4AD2ADBD4}" type="datetime1">
               <a:rPr lang="en-US" smtClean="0"/>
-              <a:t>10/26/2025</a:t>
+              <a:t>10/27/2025</a:t>
             </a:fld>
             <a:endParaRPr lang="en-US"/>
           </a:p>
@@ -2707,7 +2707,7 @@
           <a:p>
             <a:fld id="{9562EB47-45B4-4EF5-A743-B4885DD2F060}" type="datetime1">
               <a:rPr lang="en-US" smtClean="0"/>
-              <a:t>10/26/2025</a:t>
+              <a:t>10/27/2025</a:t>
             </a:fld>
             <a:endParaRPr lang="en-US"/>
           </a:p>
@@ -4092,7 +4092,7 @@
           <a:p>
             <a:fld id="{4A8D24A4-5FEC-4062-8995-EB21925B3B40}" type="datetime1">
               <a:rPr lang="en-US" smtClean="0"/>
-              <a:t>10/26/2025</a:t>
+              <a:t>10/27/2025</a:t>
             </a:fld>
             <a:endParaRPr lang="en-US" sz="1000" dirty="0"/>
           </a:p>
@@ -6292,800 +6292,58 @@
           <a:lstStyle/>
           <a:p>
             <a:r>
-              <a:rPr lang="de-DE" dirty="0">
+              <a:rPr lang="pt-BR" dirty="0">
                 <a:solidFill>
                   <a:schemeClr val="bg1"/>
                 </a:solidFill>
-                <a:ea typeface="+mn-lt"/>
-                <a:cs typeface="+mn-lt"/>
               </a:rPr>
-              <a:t>Teste de </a:t>
-            </a:r>
-            <a:r>
-              <a:rPr lang="de-DE" err="1">
+              <a:t>O Teste de Aceitação (UAT) é a fase final de testes antes da entrega do software.</a:t>
+            </a:r>
+            <a:br>
+              <a:rPr lang="pt-BR" dirty="0">
                 <a:solidFill>
                   <a:schemeClr val="bg1"/>
                 </a:solidFill>
-                <a:ea typeface="+mn-lt"/>
-                <a:cs typeface="+mn-lt"/>
               </a:rPr>
-              <a:t>Aceitação</a:t>
-            </a:r>
-            <a:r>
-              <a:rPr lang="de-DE" dirty="0">
+            </a:br>
+            <a:r>
+              <a:rPr lang="pt-BR" dirty="0">
                 <a:solidFill>
                   <a:schemeClr val="bg1"/>
                 </a:solidFill>
-                <a:ea typeface="+mn-lt"/>
-                <a:cs typeface="+mn-lt"/>
               </a:rPr>
-              <a:t>, </a:t>
-            </a:r>
-            <a:r>
-              <a:rPr lang="de-DE" err="1">
+              <a:t>Seu objetivo é verificar se o sistema atende aos requisitos de negócio.</a:t>
+            </a:r>
+            <a:br>
+              <a:rPr lang="pt-BR" dirty="0">
                 <a:solidFill>
                   <a:schemeClr val="bg1"/>
                 </a:solidFill>
-                <a:ea typeface="+mn-lt"/>
-                <a:cs typeface="+mn-lt"/>
               </a:rPr>
-              <a:t>também</a:t>
-            </a:r>
-            <a:r>
-              <a:rPr lang="de-DE" dirty="0">
+            </a:br>
+            <a:r>
+              <a:rPr lang="pt-BR" dirty="0">
                 <a:solidFill>
                   <a:schemeClr val="bg1"/>
                 </a:solidFill>
-                <a:ea typeface="+mn-lt"/>
-                <a:cs typeface="+mn-lt"/>
               </a:rPr>
-              <a:t> </a:t>
-            </a:r>
-            <a:r>
-              <a:rPr lang="de-DE" err="1">
+              <a:t>É realizado pelos usuários finais ou representantes do cliente.</a:t>
+            </a:r>
+            <a:br>
+              <a:rPr lang="pt-BR" dirty="0">
                 <a:solidFill>
                   <a:schemeClr val="bg1"/>
                 </a:solidFill>
-                <a:ea typeface="+mn-lt"/>
-                <a:cs typeface="+mn-lt"/>
               </a:rPr>
-              <a:t>conhecido</a:t>
-            </a:r>
-            <a:r>
-              <a:rPr lang="de-DE" dirty="0">
+            </a:br>
+            <a:r>
+              <a:rPr lang="pt-BR" dirty="0">
                 <a:solidFill>
                   <a:schemeClr val="bg1"/>
                 </a:solidFill>
-                <a:ea typeface="+mn-lt"/>
-                <a:cs typeface="+mn-lt"/>
               </a:rPr>
-              <a:t> </a:t>
-            </a:r>
-            <a:r>
-              <a:rPr lang="de-DE" err="1">
-                <a:solidFill>
-                  <a:schemeClr val="bg1"/>
-                </a:solidFill>
-                <a:ea typeface="+mn-lt"/>
-                <a:cs typeface="+mn-lt"/>
-              </a:rPr>
-              <a:t>como</a:t>
-            </a:r>
-            <a:r>
-              <a:rPr lang="de-DE" dirty="0">
-                <a:solidFill>
-                  <a:schemeClr val="bg1"/>
-                </a:solidFill>
-                <a:ea typeface="+mn-lt"/>
-                <a:cs typeface="+mn-lt"/>
-              </a:rPr>
-              <a:t> User Acceptance </a:t>
-            </a:r>
-            <a:r>
-              <a:rPr lang="de-DE" err="1">
-                <a:solidFill>
-                  <a:schemeClr val="bg1"/>
-                </a:solidFill>
-                <a:ea typeface="+mn-lt"/>
-                <a:cs typeface="+mn-lt"/>
-              </a:rPr>
-              <a:t>Testing</a:t>
-            </a:r>
-            <a:r>
-              <a:rPr lang="de-DE" dirty="0">
-                <a:solidFill>
-                  <a:schemeClr val="bg1"/>
-                </a:solidFill>
-                <a:ea typeface="+mn-lt"/>
-                <a:cs typeface="+mn-lt"/>
-              </a:rPr>
-              <a:t> (UAT), é </a:t>
-            </a:r>
-            <a:r>
-              <a:rPr lang="de-DE" err="1">
-                <a:solidFill>
-                  <a:schemeClr val="bg1"/>
-                </a:solidFill>
-                <a:ea typeface="+mn-lt"/>
-                <a:cs typeface="+mn-lt"/>
-              </a:rPr>
-              <a:t>uma</a:t>
-            </a:r>
-            <a:r>
-              <a:rPr lang="de-DE" dirty="0">
-                <a:solidFill>
-                  <a:schemeClr val="bg1"/>
-                </a:solidFill>
-                <a:ea typeface="+mn-lt"/>
-                <a:cs typeface="+mn-lt"/>
-              </a:rPr>
-              <a:t> fase </a:t>
-            </a:r>
-            <a:r>
-              <a:rPr lang="de-DE" err="1">
-                <a:solidFill>
-                  <a:schemeClr val="bg1"/>
-                </a:solidFill>
-                <a:ea typeface="+mn-lt"/>
-                <a:cs typeface="+mn-lt"/>
-              </a:rPr>
-              <a:t>crítica</a:t>
-            </a:r>
-            <a:r>
-              <a:rPr lang="de-DE" dirty="0">
-                <a:solidFill>
-                  <a:schemeClr val="bg1"/>
-                </a:solidFill>
-                <a:ea typeface="+mn-lt"/>
-                <a:cs typeface="+mn-lt"/>
-              </a:rPr>
-              <a:t> </a:t>
-            </a:r>
-            <a:r>
-              <a:rPr lang="de-DE" err="1">
-                <a:solidFill>
-                  <a:schemeClr val="bg1"/>
-                </a:solidFill>
-                <a:ea typeface="+mn-lt"/>
-                <a:cs typeface="+mn-lt"/>
-              </a:rPr>
-              <a:t>no</a:t>
-            </a:r>
-            <a:r>
-              <a:rPr lang="de-DE" dirty="0">
-                <a:solidFill>
-                  <a:schemeClr val="bg1"/>
-                </a:solidFill>
-                <a:ea typeface="+mn-lt"/>
-                <a:cs typeface="+mn-lt"/>
-              </a:rPr>
-              <a:t> </a:t>
-            </a:r>
-            <a:r>
-              <a:rPr lang="de-DE" err="1">
-                <a:solidFill>
-                  <a:schemeClr val="bg1"/>
-                </a:solidFill>
-                <a:ea typeface="+mn-lt"/>
-                <a:cs typeface="+mn-lt"/>
-              </a:rPr>
-              <a:t>processo</a:t>
-            </a:r>
-            <a:r>
-              <a:rPr lang="de-DE" dirty="0">
-                <a:solidFill>
-                  <a:schemeClr val="bg1"/>
-                </a:solidFill>
-                <a:ea typeface="+mn-lt"/>
-                <a:cs typeface="+mn-lt"/>
-              </a:rPr>
-              <a:t> de </a:t>
-            </a:r>
-            <a:r>
-              <a:rPr lang="de-DE" err="1">
-                <a:solidFill>
-                  <a:schemeClr val="bg1"/>
-                </a:solidFill>
-                <a:ea typeface="+mn-lt"/>
-                <a:cs typeface="+mn-lt"/>
-              </a:rPr>
-              <a:t>desenvolvimento</a:t>
-            </a:r>
-            <a:r>
-              <a:rPr lang="de-DE" dirty="0">
-                <a:solidFill>
-                  <a:schemeClr val="bg1"/>
-                </a:solidFill>
-                <a:ea typeface="+mn-lt"/>
-                <a:cs typeface="+mn-lt"/>
-              </a:rPr>
-              <a:t> de </a:t>
-            </a:r>
-            <a:r>
-              <a:rPr lang="de-DE" err="1">
-                <a:solidFill>
-                  <a:schemeClr val="bg1"/>
-                </a:solidFill>
-                <a:ea typeface="+mn-lt"/>
-                <a:cs typeface="+mn-lt"/>
-              </a:rPr>
-              <a:t>software</a:t>
-            </a:r>
-            <a:r>
-              <a:rPr lang="de-DE" dirty="0">
-                <a:solidFill>
-                  <a:schemeClr val="bg1"/>
-                </a:solidFill>
-                <a:ea typeface="+mn-lt"/>
-                <a:cs typeface="+mn-lt"/>
-              </a:rPr>
-              <a:t>, </a:t>
-            </a:r>
-            <a:r>
-              <a:rPr lang="de-DE" err="1">
-                <a:solidFill>
-                  <a:schemeClr val="bg1"/>
-                </a:solidFill>
-                <a:ea typeface="+mn-lt"/>
-                <a:cs typeface="+mn-lt"/>
-              </a:rPr>
-              <a:t>pois</a:t>
-            </a:r>
-            <a:r>
-              <a:rPr lang="de-DE" dirty="0">
-                <a:solidFill>
-                  <a:schemeClr val="bg1"/>
-                </a:solidFill>
-                <a:ea typeface="+mn-lt"/>
-                <a:cs typeface="+mn-lt"/>
-              </a:rPr>
-              <a:t> </a:t>
-            </a:r>
-            <a:r>
-              <a:rPr lang="de-DE" err="1">
-                <a:solidFill>
-                  <a:schemeClr val="bg1"/>
-                </a:solidFill>
-                <a:ea typeface="+mn-lt"/>
-                <a:cs typeface="+mn-lt"/>
-              </a:rPr>
-              <a:t>serve</a:t>
-            </a:r>
-            <a:r>
-              <a:rPr lang="de-DE" dirty="0">
-                <a:solidFill>
-                  <a:schemeClr val="bg1"/>
-                </a:solidFill>
-                <a:ea typeface="+mn-lt"/>
-                <a:cs typeface="+mn-lt"/>
-              </a:rPr>
-              <a:t> </a:t>
-            </a:r>
-            <a:r>
-              <a:rPr lang="de-DE" err="1">
-                <a:solidFill>
-                  <a:schemeClr val="bg1"/>
-                </a:solidFill>
-                <a:ea typeface="+mn-lt"/>
-                <a:cs typeface="+mn-lt"/>
-              </a:rPr>
-              <a:t>como</a:t>
-            </a:r>
-            <a:r>
-              <a:rPr lang="de-DE" dirty="0">
-                <a:solidFill>
-                  <a:schemeClr val="bg1"/>
-                </a:solidFill>
-                <a:ea typeface="+mn-lt"/>
-                <a:cs typeface="+mn-lt"/>
-              </a:rPr>
-              <a:t> a </a:t>
-            </a:r>
-            <a:r>
-              <a:rPr lang="de-DE" err="1">
-                <a:solidFill>
-                  <a:schemeClr val="bg1"/>
-                </a:solidFill>
-                <a:ea typeface="+mn-lt"/>
-                <a:cs typeface="+mn-lt"/>
-              </a:rPr>
-              <a:t>última</a:t>
-            </a:r>
-            <a:r>
-              <a:rPr lang="de-DE" dirty="0">
-                <a:solidFill>
-                  <a:schemeClr val="bg1"/>
-                </a:solidFill>
-                <a:ea typeface="+mn-lt"/>
-                <a:cs typeface="+mn-lt"/>
-              </a:rPr>
-              <a:t> </a:t>
-            </a:r>
-            <a:r>
-              <a:rPr lang="de-DE" err="1">
-                <a:solidFill>
-                  <a:schemeClr val="bg1"/>
-                </a:solidFill>
-                <a:ea typeface="+mn-lt"/>
-                <a:cs typeface="+mn-lt"/>
-              </a:rPr>
-              <a:t>etapa</a:t>
-            </a:r>
-            <a:r>
-              <a:rPr lang="de-DE" dirty="0">
-                <a:solidFill>
-                  <a:schemeClr val="bg1"/>
-                </a:solidFill>
-                <a:ea typeface="+mn-lt"/>
-                <a:cs typeface="+mn-lt"/>
-              </a:rPr>
-              <a:t> de teste </a:t>
-            </a:r>
-            <a:r>
-              <a:rPr lang="de-DE" err="1">
-                <a:solidFill>
-                  <a:schemeClr val="bg1"/>
-                </a:solidFill>
-                <a:ea typeface="+mn-lt"/>
-                <a:cs typeface="+mn-lt"/>
-              </a:rPr>
-              <a:t>antes</a:t>
-            </a:r>
-            <a:r>
-              <a:rPr lang="de-DE" dirty="0">
-                <a:solidFill>
-                  <a:schemeClr val="bg1"/>
-                </a:solidFill>
-                <a:ea typeface="+mn-lt"/>
-                <a:cs typeface="+mn-lt"/>
-              </a:rPr>
-              <a:t> do </a:t>
-            </a:r>
-            <a:r>
-              <a:rPr lang="de-DE" err="1">
-                <a:solidFill>
-                  <a:schemeClr val="bg1"/>
-                </a:solidFill>
-                <a:ea typeface="+mn-lt"/>
-                <a:cs typeface="+mn-lt"/>
-              </a:rPr>
-              <a:t>software</a:t>
-            </a:r>
-            <a:r>
-              <a:rPr lang="de-DE" dirty="0">
-                <a:solidFill>
-                  <a:schemeClr val="bg1"/>
-                </a:solidFill>
-                <a:ea typeface="+mn-lt"/>
-                <a:cs typeface="+mn-lt"/>
-              </a:rPr>
-              <a:t> </a:t>
-            </a:r>
-            <a:r>
-              <a:rPr lang="de-DE" err="1">
-                <a:solidFill>
-                  <a:schemeClr val="bg1"/>
-                </a:solidFill>
-                <a:ea typeface="+mn-lt"/>
-                <a:cs typeface="+mn-lt"/>
-              </a:rPr>
-              <a:t>ser</a:t>
-            </a:r>
-            <a:r>
-              <a:rPr lang="de-DE" dirty="0">
-                <a:solidFill>
-                  <a:schemeClr val="bg1"/>
-                </a:solidFill>
-                <a:ea typeface="+mn-lt"/>
-                <a:cs typeface="+mn-lt"/>
-              </a:rPr>
-              <a:t> </a:t>
-            </a:r>
-            <a:r>
-              <a:rPr lang="de-DE" err="1">
-                <a:solidFill>
-                  <a:schemeClr val="bg1"/>
-                </a:solidFill>
-                <a:ea typeface="+mn-lt"/>
-                <a:cs typeface="+mn-lt"/>
-              </a:rPr>
-              <a:t>entregue</a:t>
-            </a:r>
-            <a:r>
-              <a:rPr lang="de-DE" dirty="0">
-                <a:solidFill>
-                  <a:schemeClr val="bg1"/>
-                </a:solidFill>
-                <a:ea typeface="+mn-lt"/>
-                <a:cs typeface="+mn-lt"/>
-              </a:rPr>
-              <a:t> </a:t>
-            </a:r>
-            <a:r>
-              <a:rPr lang="de-DE" err="1">
-                <a:solidFill>
-                  <a:schemeClr val="bg1"/>
-                </a:solidFill>
-                <a:ea typeface="+mn-lt"/>
-                <a:cs typeface="+mn-lt"/>
-              </a:rPr>
-              <a:t>ao</a:t>
-            </a:r>
-            <a:r>
-              <a:rPr lang="de-DE" dirty="0">
-                <a:solidFill>
-                  <a:schemeClr val="bg1"/>
-                </a:solidFill>
-                <a:ea typeface="+mn-lt"/>
-                <a:cs typeface="+mn-lt"/>
-              </a:rPr>
-              <a:t> </a:t>
-            </a:r>
-            <a:r>
-              <a:rPr lang="de-DE" err="1">
-                <a:solidFill>
-                  <a:schemeClr val="bg1"/>
-                </a:solidFill>
-                <a:ea typeface="+mn-lt"/>
-                <a:cs typeface="+mn-lt"/>
-              </a:rPr>
-              <a:t>usuário</a:t>
-            </a:r>
-            <a:r>
-              <a:rPr lang="de-DE" dirty="0">
-                <a:solidFill>
-                  <a:schemeClr val="bg1"/>
-                </a:solidFill>
-                <a:ea typeface="+mn-lt"/>
-                <a:cs typeface="+mn-lt"/>
-              </a:rPr>
-              <a:t> final. É </a:t>
-            </a:r>
-            <a:r>
-              <a:rPr lang="de-DE" err="1">
-                <a:solidFill>
-                  <a:schemeClr val="bg1"/>
-                </a:solidFill>
-                <a:ea typeface="+mn-lt"/>
-                <a:cs typeface="+mn-lt"/>
-              </a:rPr>
-              <a:t>nesse</a:t>
-            </a:r>
-            <a:r>
-              <a:rPr lang="de-DE" dirty="0">
-                <a:solidFill>
-                  <a:schemeClr val="bg1"/>
-                </a:solidFill>
-                <a:ea typeface="+mn-lt"/>
-                <a:cs typeface="+mn-lt"/>
-              </a:rPr>
-              <a:t> </a:t>
-            </a:r>
-            <a:r>
-              <a:rPr lang="de-DE" err="1">
-                <a:solidFill>
-                  <a:schemeClr val="bg1"/>
-                </a:solidFill>
-                <a:ea typeface="+mn-lt"/>
-                <a:cs typeface="+mn-lt"/>
-              </a:rPr>
-              <a:t>momento</a:t>
-            </a:r>
-            <a:r>
-              <a:rPr lang="de-DE" dirty="0">
-                <a:solidFill>
-                  <a:schemeClr val="bg1"/>
-                </a:solidFill>
-                <a:ea typeface="+mn-lt"/>
-                <a:cs typeface="+mn-lt"/>
-              </a:rPr>
-              <a:t> </a:t>
-            </a:r>
-            <a:r>
-              <a:rPr lang="de-DE" err="1">
-                <a:solidFill>
-                  <a:schemeClr val="bg1"/>
-                </a:solidFill>
-                <a:ea typeface="+mn-lt"/>
-                <a:cs typeface="+mn-lt"/>
-              </a:rPr>
-              <a:t>que</a:t>
-            </a:r>
-            <a:r>
-              <a:rPr lang="de-DE" dirty="0">
-                <a:solidFill>
-                  <a:schemeClr val="bg1"/>
-                </a:solidFill>
-                <a:ea typeface="+mn-lt"/>
-                <a:cs typeface="+mn-lt"/>
-              </a:rPr>
-              <a:t> se </a:t>
-            </a:r>
-            <a:r>
-              <a:rPr lang="de-DE" err="1">
-                <a:solidFill>
-                  <a:schemeClr val="bg1"/>
-                </a:solidFill>
-                <a:ea typeface="+mn-lt"/>
-                <a:cs typeface="+mn-lt"/>
-              </a:rPr>
-              <a:t>verifica</a:t>
-            </a:r>
-            <a:r>
-              <a:rPr lang="de-DE" dirty="0">
-                <a:solidFill>
-                  <a:schemeClr val="bg1"/>
-                </a:solidFill>
-                <a:ea typeface="+mn-lt"/>
-                <a:cs typeface="+mn-lt"/>
-              </a:rPr>
-              <a:t> se o </a:t>
-            </a:r>
-            <a:r>
-              <a:rPr lang="de-DE" err="1">
-                <a:solidFill>
-                  <a:schemeClr val="bg1"/>
-                </a:solidFill>
-                <a:ea typeface="+mn-lt"/>
-                <a:cs typeface="+mn-lt"/>
-              </a:rPr>
-              <a:t>sistema</a:t>
-            </a:r>
-            <a:r>
-              <a:rPr lang="de-DE" dirty="0">
-                <a:solidFill>
-                  <a:schemeClr val="bg1"/>
-                </a:solidFill>
-                <a:ea typeface="+mn-lt"/>
-                <a:cs typeface="+mn-lt"/>
-              </a:rPr>
-              <a:t> </a:t>
-            </a:r>
-            <a:r>
-              <a:rPr lang="de-DE" err="1">
-                <a:solidFill>
-                  <a:schemeClr val="bg1"/>
-                </a:solidFill>
-                <a:ea typeface="+mn-lt"/>
-                <a:cs typeface="+mn-lt"/>
-              </a:rPr>
-              <a:t>cumpre</a:t>
-            </a:r>
-            <a:r>
-              <a:rPr lang="de-DE" dirty="0">
-                <a:solidFill>
-                  <a:schemeClr val="bg1"/>
-                </a:solidFill>
-                <a:ea typeface="+mn-lt"/>
-                <a:cs typeface="+mn-lt"/>
-              </a:rPr>
-              <a:t> </a:t>
-            </a:r>
-            <a:r>
-              <a:rPr lang="de-DE" err="1">
-                <a:solidFill>
-                  <a:schemeClr val="bg1"/>
-                </a:solidFill>
-                <a:ea typeface="+mn-lt"/>
-                <a:cs typeface="+mn-lt"/>
-              </a:rPr>
-              <a:t>com</a:t>
-            </a:r>
-            <a:r>
-              <a:rPr lang="de-DE" dirty="0">
-                <a:solidFill>
-                  <a:schemeClr val="bg1"/>
-                </a:solidFill>
-                <a:ea typeface="+mn-lt"/>
-                <a:cs typeface="+mn-lt"/>
-              </a:rPr>
-              <a:t> </a:t>
-            </a:r>
-            <a:r>
-              <a:rPr lang="de-DE" err="1">
-                <a:solidFill>
-                  <a:schemeClr val="bg1"/>
-                </a:solidFill>
-                <a:ea typeface="+mn-lt"/>
-                <a:cs typeface="+mn-lt"/>
-              </a:rPr>
-              <a:t>os</a:t>
-            </a:r>
-            <a:r>
-              <a:rPr lang="de-DE" dirty="0">
-                <a:solidFill>
-                  <a:schemeClr val="bg1"/>
-                </a:solidFill>
-                <a:ea typeface="+mn-lt"/>
-                <a:cs typeface="+mn-lt"/>
-              </a:rPr>
-              <a:t> </a:t>
-            </a:r>
-            <a:r>
-              <a:rPr lang="de-DE" err="1">
-                <a:solidFill>
-                  <a:schemeClr val="bg1"/>
-                </a:solidFill>
-                <a:ea typeface="+mn-lt"/>
-                <a:cs typeface="+mn-lt"/>
-              </a:rPr>
-              <a:t>requisitos</a:t>
-            </a:r>
-            <a:r>
-              <a:rPr lang="de-DE" dirty="0">
-                <a:solidFill>
-                  <a:schemeClr val="bg1"/>
-                </a:solidFill>
-                <a:ea typeface="+mn-lt"/>
-                <a:cs typeface="+mn-lt"/>
-              </a:rPr>
-              <a:t> de </a:t>
-            </a:r>
-            <a:r>
-              <a:rPr lang="de-DE" err="1">
-                <a:solidFill>
-                  <a:schemeClr val="bg1"/>
-                </a:solidFill>
-                <a:ea typeface="+mn-lt"/>
-                <a:cs typeface="+mn-lt"/>
-              </a:rPr>
-              <a:t>negócios</a:t>
-            </a:r>
-            <a:r>
-              <a:rPr lang="de-DE" dirty="0">
-                <a:solidFill>
-                  <a:schemeClr val="bg1"/>
-                </a:solidFill>
-                <a:ea typeface="+mn-lt"/>
-                <a:cs typeface="+mn-lt"/>
-              </a:rPr>
-              <a:t> e se </a:t>
-            </a:r>
-            <a:r>
-              <a:rPr lang="de-DE" err="1">
-                <a:solidFill>
-                  <a:schemeClr val="bg1"/>
-                </a:solidFill>
-                <a:ea typeface="+mn-lt"/>
-                <a:cs typeface="+mn-lt"/>
-              </a:rPr>
-              <a:t>está</a:t>
-            </a:r>
-            <a:r>
-              <a:rPr lang="de-DE" dirty="0">
-                <a:solidFill>
-                  <a:schemeClr val="bg1"/>
-                </a:solidFill>
-                <a:ea typeface="+mn-lt"/>
-                <a:cs typeface="+mn-lt"/>
-              </a:rPr>
-              <a:t> </a:t>
-            </a:r>
-            <a:r>
-              <a:rPr lang="de-DE" err="1">
-                <a:solidFill>
-                  <a:schemeClr val="bg1"/>
-                </a:solidFill>
-                <a:ea typeface="+mn-lt"/>
-                <a:cs typeface="+mn-lt"/>
-              </a:rPr>
-              <a:t>pronto</a:t>
-            </a:r>
-            <a:r>
-              <a:rPr lang="de-DE" dirty="0">
-                <a:solidFill>
-                  <a:schemeClr val="bg1"/>
-                </a:solidFill>
-                <a:ea typeface="+mn-lt"/>
-                <a:cs typeface="+mn-lt"/>
-              </a:rPr>
-              <a:t> </a:t>
-            </a:r>
-            <a:r>
-              <a:rPr lang="de-DE" err="1">
-                <a:solidFill>
-                  <a:schemeClr val="bg1"/>
-                </a:solidFill>
-                <a:ea typeface="+mn-lt"/>
-                <a:cs typeface="+mn-lt"/>
-              </a:rPr>
-              <a:t>para</a:t>
-            </a:r>
-            <a:r>
-              <a:rPr lang="de-DE" dirty="0">
-                <a:solidFill>
-                  <a:schemeClr val="bg1"/>
-                </a:solidFill>
-                <a:ea typeface="+mn-lt"/>
-                <a:cs typeface="+mn-lt"/>
-              </a:rPr>
-              <a:t> </a:t>
-            </a:r>
-            <a:r>
-              <a:rPr lang="de-DE" err="1">
-                <a:solidFill>
-                  <a:schemeClr val="bg1"/>
-                </a:solidFill>
-                <a:ea typeface="+mn-lt"/>
-                <a:cs typeface="+mn-lt"/>
-              </a:rPr>
-              <a:t>ser</a:t>
-            </a:r>
-            <a:r>
-              <a:rPr lang="de-DE" dirty="0">
-                <a:solidFill>
-                  <a:schemeClr val="bg1"/>
-                </a:solidFill>
-                <a:ea typeface="+mn-lt"/>
-                <a:cs typeface="+mn-lt"/>
-              </a:rPr>
-              <a:t> </a:t>
-            </a:r>
-            <a:r>
-              <a:rPr lang="de-DE" err="1">
-                <a:solidFill>
-                  <a:schemeClr val="bg1"/>
-                </a:solidFill>
-                <a:ea typeface="+mn-lt"/>
-                <a:cs typeface="+mn-lt"/>
-              </a:rPr>
-              <a:t>operado</a:t>
-            </a:r>
-            <a:r>
-              <a:rPr lang="de-DE" dirty="0">
-                <a:solidFill>
-                  <a:schemeClr val="bg1"/>
-                </a:solidFill>
-                <a:ea typeface="+mn-lt"/>
-                <a:cs typeface="+mn-lt"/>
-              </a:rPr>
-              <a:t> </a:t>
-            </a:r>
-            <a:r>
-              <a:rPr lang="de-DE" err="1">
-                <a:solidFill>
-                  <a:schemeClr val="bg1"/>
-                </a:solidFill>
-                <a:ea typeface="+mn-lt"/>
-                <a:cs typeface="+mn-lt"/>
-              </a:rPr>
-              <a:t>em</a:t>
-            </a:r>
-            <a:r>
-              <a:rPr lang="de-DE" dirty="0">
-                <a:solidFill>
-                  <a:schemeClr val="bg1"/>
-                </a:solidFill>
-                <a:ea typeface="+mn-lt"/>
-                <a:cs typeface="+mn-lt"/>
-              </a:rPr>
-              <a:t> um ambiente de </a:t>
-            </a:r>
-            <a:r>
-              <a:rPr lang="de-DE" err="1">
-                <a:solidFill>
-                  <a:schemeClr val="bg1"/>
-                </a:solidFill>
-                <a:ea typeface="+mn-lt"/>
-                <a:cs typeface="+mn-lt"/>
-              </a:rPr>
-              <a:t>produção</a:t>
-            </a:r>
-            <a:r>
-              <a:rPr lang="de-DE" dirty="0">
-                <a:solidFill>
-                  <a:schemeClr val="bg1"/>
-                </a:solidFill>
-                <a:ea typeface="+mn-lt"/>
-                <a:cs typeface="+mn-lt"/>
-              </a:rPr>
-              <a:t>.</a:t>
-            </a:r>
-            <a:endParaRPr lang="pt-BR" dirty="0">
-              <a:solidFill>
-                <a:schemeClr val="bg1"/>
-              </a:solidFill>
-            </a:endParaRPr>
+              <a:t>Confirma se o software está pronto para operação em produção.</a:t>
+            </a:r>
           </a:p>
         </p:txBody>
       </p:sp>
@@ -7907,940 +7165,74 @@
           <a:lstStyle/>
           <a:p>
             <a:r>
-              <a:rPr lang="de-DE" sz="2800" dirty="0">
+              <a:rPr lang="pt-BR" sz="2800" dirty="0">
                 <a:solidFill>
                   <a:schemeClr val="bg1"/>
                 </a:solidFill>
-                <a:ea typeface="+mn-lt"/>
-                <a:cs typeface="+mn-lt"/>
               </a:rPr>
-              <a:t>Teste de </a:t>
-            </a:r>
-            <a:r>
-              <a:rPr lang="de-DE" sz="2800" dirty="0" err="1">
+              <a:t>O Teste de Aceitação verifica se o software atende aos critérios definidos pelos stakeholders.</a:t>
+            </a:r>
+            <a:br>
+              <a:rPr lang="pt-BR" sz="2800" dirty="0">
                 <a:solidFill>
                   <a:schemeClr val="bg1"/>
                 </a:solidFill>
-                <a:ea typeface="+mn-lt"/>
-                <a:cs typeface="+mn-lt"/>
               </a:rPr>
-              <a:t>aceitação</a:t>
-            </a:r>
-            <a:r>
-              <a:rPr lang="de-DE" sz="2800" dirty="0">
+            </a:br>
+            <a:r>
+              <a:rPr lang="pt-BR" sz="2800" dirty="0">
                 <a:solidFill>
                   <a:schemeClr val="bg1"/>
                 </a:solidFill>
-                <a:ea typeface="+mn-lt"/>
-                <a:cs typeface="+mn-lt"/>
               </a:rPr>
-              <a:t> é </a:t>
-            </a:r>
-            <a:r>
-              <a:rPr lang="de-DE" sz="2800" dirty="0" err="1">
+              <a:t>Garante que o produto final esteja alinhado com as expectativas do usuário.</a:t>
+            </a:r>
+            <a:br>
+              <a:rPr lang="pt-BR" sz="2800" dirty="0">
                 <a:solidFill>
                   <a:schemeClr val="bg1"/>
                 </a:solidFill>
-                <a:ea typeface="+mn-lt"/>
-                <a:cs typeface="+mn-lt"/>
               </a:rPr>
-              <a:t>uma</a:t>
-            </a:r>
-            <a:r>
-              <a:rPr lang="de-DE" sz="2800" dirty="0">
+            </a:br>
+            <a:r>
+              <a:rPr lang="pt-BR" sz="2800" dirty="0">
                 <a:solidFill>
                   <a:schemeClr val="bg1"/>
                 </a:solidFill>
-                <a:ea typeface="+mn-lt"/>
-                <a:cs typeface="+mn-lt"/>
               </a:rPr>
-              <a:t> fase </a:t>
-            </a:r>
-            <a:r>
-              <a:rPr lang="de-DE" sz="2800" dirty="0" err="1">
+              <a:t>É realizado após testes unitários e de integração.</a:t>
+            </a:r>
+            <a:br>
+              <a:rPr lang="pt-BR" sz="2800" dirty="0">
                 <a:solidFill>
                   <a:schemeClr val="bg1"/>
                 </a:solidFill>
-                <a:ea typeface="+mn-lt"/>
-                <a:cs typeface="+mn-lt"/>
               </a:rPr>
-              <a:t>crucial</a:t>
-            </a:r>
-            <a:r>
-              <a:rPr lang="de-DE" sz="2800" dirty="0">
+            </a:br>
+            <a:r>
+              <a:rPr lang="pt-BR" sz="2800" dirty="0">
                 <a:solidFill>
                   <a:schemeClr val="bg1"/>
                 </a:solidFill>
-                <a:ea typeface="+mn-lt"/>
-                <a:cs typeface="+mn-lt"/>
               </a:rPr>
-              <a:t> </a:t>
-            </a:r>
-            <a:r>
-              <a:rPr lang="de-DE" sz="2800" dirty="0" err="1">
+              <a:t>Funciona </a:t>
+            </a:r>
+            <a:r>
+              <a:rPr lang="pt-BR" sz="2800" u="sng" dirty="0">
                 <a:solidFill>
                   <a:schemeClr val="bg1"/>
                 </a:solidFill>
-                <a:ea typeface="+mn-lt"/>
-                <a:cs typeface="+mn-lt"/>
               </a:rPr>
-              <a:t>no</a:t>
-            </a:r>
-            <a:r>
-              <a:rPr lang="de-DE" sz="2800" dirty="0">
+              <a:t>como</a:t>
+            </a:r>
+            <a:r>
+              <a:rPr lang="pt-BR" sz="2800" dirty="0">
                 <a:solidFill>
                   <a:schemeClr val="bg1"/>
                 </a:solidFill>
-                <a:ea typeface="+mn-lt"/>
-                <a:cs typeface="+mn-lt"/>
               </a:rPr>
-              <a:t> </a:t>
-            </a:r>
-            <a:r>
-              <a:rPr lang="de-DE" sz="2800" dirty="0" err="1">
-                <a:solidFill>
-                  <a:schemeClr val="bg1"/>
-                </a:solidFill>
-                <a:ea typeface="+mn-lt"/>
-                <a:cs typeface="+mn-lt"/>
-              </a:rPr>
-              <a:t>desenvolvimento</a:t>
-            </a:r>
-            <a:r>
-              <a:rPr lang="de-DE" sz="2800" dirty="0">
-                <a:solidFill>
-                  <a:schemeClr val="bg1"/>
-                </a:solidFill>
-                <a:ea typeface="+mn-lt"/>
-                <a:cs typeface="+mn-lt"/>
-              </a:rPr>
-              <a:t> de </a:t>
-            </a:r>
-            <a:r>
-              <a:rPr lang="de-DE" sz="2800" dirty="0" err="1">
-                <a:solidFill>
-                  <a:schemeClr val="bg1"/>
-                </a:solidFill>
-                <a:ea typeface="+mn-lt"/>
-                <a:cs typeface="+mn-lt"/>
-              </a:rPr>
-              <a:t>software</a:t>
-            </a:r>
-            <a:r>
-              <a:rPr lang="de-DE" sz="2800" dirty="0">
-                <a:solidFill>
-                  <a:schemeClr val="bg1"/>
-                </a:solidFill>
-                <a:ea typeface="+mn-lt"/>
-                <a:cs typeface="+mn-lt"/>
-              </a:rPr>
-              <a:t>, </a:t>
-            </a:r>
-            <a:r>
-              <a:rPr lang="de-DE" sz="2800" dirty="0" err="1">
-                <a:solidFill>
-                  <a:schemeClr val="bg1"/>
-                </a:solidFill>
-                <a:ea typeface="+mn-lt"/>
-                <a:cs typeface="+mn-lt"/>
-              </a:rPr>
-              <a:t>onde</a:t>
-            </a:r>
-            <a:r>
-              <a:rPr lang="de-DE" sz="2800" dirty="0">
-                <a:solidFill>
-                  <a:schemeClr val="bg1"/>
-                </a:solidFill>
-                <a:ea typeface="+mn-lt"/>
-                <a:cs typeface="+mn-lt"/>
-              </a:rPr>
-              <a:t> se </a:t>
-            </a:r>
-            <a:r>
-              <a:rPr lang="de-DE" sz="2800" dirty="0" err="1">
-                <a:solidFill>
-                  <a:schemeClr val="bg1"/>
-                </a:solidFill>
-                <a:ea typeface="+mn-lt"/>
-                <a:cs typeface="+mn-lt"/>
-              </a:rPr>
-              <a:t>verifica</a:t>
-            </a:r>
-            <a:r>
-              <a:rPr lang="de-DE" sz="2800" dirty="0">
-                <a:solidFill>
-                  <a:schemeClr val="bg1"/>
-                </a:solidFill>
-                <a:ea typeface="+mn-lt"/>
-                <a:cs typeface="+mn-lt"/>
-              </a:rPr>
-              <a:t> se o </a:t>
-            </a:r>
-            <a:r>
-              <a:rPr lang="de-DE" sz="2800" dirty="0" err="1">
-                <a:solidFill>
-                  <a:schemeClr val="bg1"/>
-                </a:solidFill>
-                <a:ea typeface="+mn-lt"/>
-                <a:cs typeface="+mn-lt"/>
-              </a:rPr>
-              <a:t>sistema</a:t>
-            </a:r>
-            <a:r>
-              <a:rPr lang="de-DE" sz="2800" dirty="0">
-                <a:solidFill>
-                  <a:schemeClr val="bg1"/>
-                </a:solidFill>
-                <a:ea typeface="+mn-lt"/>
-                <a:cs typeface="+mn-lt"/>
-              </a:rPr>
-              <a:t> </a:t>
-            </a:r>
-            <a:r>
-              <a:rPr lang="de-DE" sz="2800" dirty="0" err="1">
-                <a:solidFill>
-                  <a:schemeClr val="bg1"/>
-                </a:solidFill>
-                <a:ea typeface="+mn-lt"/>
-                <a:cs typeface="+mn-lt"/>
-              </a:rPr>
-              <a:t>atende</a:t>
-            </a:r>
-            <a:r>
-              <a:rPr lang="de-DE" sz="2800" dirty="0">
-                <a:solidFill>
-                  <a:schemeClr val="bg1"/>
-                </a:solidFill>
-                <a:ea typeface="+mn-lt"/>
-                <a:cs typeface="+mn-lt"/>
-              </a:rPr>
-              <a:t> </a:t>
-            </a:r>
-            <a:r>
-              <a:rPr lang="de-DE" sz="2800" dirty="0" err="1">
-                <a:solidFill>
-                  <a:schemeClr val="bg1"/>
-                </a:solidFill>
-                <a:ea typeface="+mn-lt"/>
-                <a:cs typeface="+mn-lt"/>
-              </a:rPr>
-              <a:t>aos</a:t>
-            </a:r>
-            <a:r>
-              <a:rPr lang="de-DE" sz="2800" dirty="0">
-                <a:solidFill>
-                  <a:schemeClr val="bg1"/>
-                </a:solidFill>
-                <a:ea typeface="+mn-lt"/>
-                <a:cs typeface="+mn-lt"/>
-              </a:rPr>
-              <a:t> </a:t>
-            </a:r>
-            <a:r>
-              <a:rPr lang="de-DE" sz="2800" dirty="0" err="1">
-                <a:solidFill>
-                  <a:schemeClr val="bg1"/>
-                </a:solidFill>
-                <a:ea typeface="+mn-lt"/>
-                <a:cs typeface="+mn-lt"/>
-              </a:rPr>
-              <a:t>critérios</a:t>
-            </a:r>
-            <a:r>
-              <a:rPr lang="de-DE" sz="2800" dirty="0">
-                <a:solidFill>
-                  <a:schemeClr val="bg1"/>
-                </a:solidFill>
-                <a:ea typeface="+mn-lt"/>
-                <a:cs typeface="+mn-lt"/>
-              </a:rPr>
-              <a:t> de </a:t>
-            </a:r>
-            <a:r>
-              <a:rPr lang="de-DE" sz="2800" dirty="0" err="1">
-                <a:solidFill>
-                  <a:schemeClr val="bg1"/>
-                </a:solidFill>
-                <a:ea typeface="+mn-lt"/>
-                <a:cs typeface="+mn-lt"/>
-              </a:rPr>
-              <a:t>aceitação</a:t>
-            </a:r>
-            <a:r>
-              <a:rPr lang="de-DE" sz="2800" dirty="0">
-                <a:solidFill>
-                  <a:schemeClr val="bg1"/>
-                </a:solidFill>
-                <a:ea typeface="+mn-lt"/>
-                <a:cs typeface="+mn-lt"/>
-              </a:rPr>
-              <a:t> </a:t>
-            </a:r>
-            <a:r>
-              <a:rPr lang="de-DE" sz="2800" dirty="0" err="1">
-                <a:solidFill>
-                  <a:schemeClr val="bg1"/>
-                </a:solidFill>
-                <a:ea typeface="+mn-lt"/>
-                <a:cs typeface="+mn-lt"/>
-              </a:rPr>
-              <a:t>estabelecidos</a:t>
-            </a:r>
-            <a:r>
-              <a:rPr lang="de-DE" sz="2800" dirty="0">
-                <a:solidFill>
-                  <a:schemeClr val="bg1"/>
-                </a:solidFill>
-                <a:ea typeface="+mn-lt"/>
-                <a:cs typeface="+mn-lt"/>
-              </a:rPr>
-              <a:t> </a:t>
-            </a:r>
-            <a:r>
-              <a:rPr lang="de-DE" sz="2800" dirty="0" err="1">
-                <a:solidFill>
-                  <a:schemeClr val="bg1"/>
-                </a:solidFill>
-                <a:ea typeface="+mn-lt"/>
-                <a:cs typeface="+mn-lt"/>
-              </a:rPr>
-              <a:t>pelos</a:t>
-            </a:r>
-            <a:r>
-              <a:rPr lang="de-DE" sz="2800" dirty="0">
-                <a:solidFill>
-                  <a:schemeClr val="bg1"/>
-                </a:solidFill>
-                <a:ea typeface="+mn-lt"/>
-                <a:cs typeface="+mn-lt"/>
-              </a:rPr>
-              <a:t> </a:t>
-            </a:r>
-            <a:r>
-              <a:rPr lang="de-DE" sz="2800" dirty="0" err="1">
-                <a:solidFill>
-                  <a:schemeClr val="bg1"/>
-                </a:solidFill>
-                <a:ea typeface="+mn-lt"/>
-                <a:cs typeface="+mn-lt"/>
-              </a:rPr>
-              <a:t>stakeholders</a:t>
-            </a:r>
-            <a:r>
-              <a:rPr lang="de-DE" sz="2800" dirty="0">
-                <a:solidFill>
-                  <a:schemeClr val="bg1"/>
-                </a:solidFill>
-                <a:ea typeface="+mn-lt"/>
-                <a:cs typeface="+mn-lt"/>
-              </a:rPr>
-              <a:t>, </a:t>
-            </a:r>
-            <a:r>
-              <a:rPr lang="de-DE" sz="2800" dirty="0" err="1">
-                <a:solidFill>
-                  <a:schemeClr val="bg1"/>
-                </a:solidFill>
-                <a:ea typeface="+mn-lt"/>
-                <a:cs typeface="+mn-lt"/>
-              </a:rPr>
-              <a:t>garantindo</a:t>
-            </a:r>
-            <a:r>
-              <a:rPr lang="de-DE" sz="2800" dirty="0">
-                <a:solidFill>
-                  <a:schemeClr val="bg1"/>
-                </a:solidFill>
-                <a:ea typeface="+mn-lt"/>
-                <a:cs typeface="+mn-lt"/>
-              </a:rPr>
-              <a:t> </a:t>
-            </a:r>
-            <a:r>
-              <a:rPr lang="de-DE" sz="2800" dirty="0" err="1">
-                <a:solidFill>
-                  <a:schemeClr val="bg1"/>
-                </a:solidFill>
-                <a:ea typeface="+mn-lt"/>
-                <a:cs typeface="+mn-lt"/>
-              </a:rPr>
-              <a:t>que</a:t>
-            </a:r>
-            <a:r>
-              <a:rPr lang="de-DE" sz="2800" dirty="0">
-                <a:solidFill>
-                  <a:schemeClr val="bg1"/>
-                </a:solidFill>
-                <a:ea typeface="+mn-lt"/>
-                <a:cs typeface="+mn-lt"/>
-              </a:rPr>
-              <a:t> o </a:t>
-            </a:r>
-            <a:r>
-              <a:rPr lang="de-DE" sz="2800" dirty="0" err="1">
-                <a:solidFill>
-                  <a:schemeClr val="bg1"/>
-                </a:solidFill>
-                <a:ea typeface="+mn-lt"/>
-                <a:cs typeface="+mn-lt"/>
-              </a:rPr>
-              <a:t>produto</a:t>
-            </a:r>
-            <a:r>
-              <a:rPr lang="de-DE" sz="2800" dirty="0">
-                <a:solidFill>
-                  <a:schemeClr val="bg1"/>
-                </a:solidFill>
-                <a:ea typeface="+mn-lt"/>
-                <a:cs typeface="+mn-lt"/>
-              </a:rPr>
-              <a:t> final </a:t>
-            </a:r>
-            <a:r>
-              <a:rPr lang="de-DE" sz="2800" dirty="0" err="1">
-                <a:solidFill>
-                  <a:schemeClr val="bg1"/>
-                </a:solidFill>
-                <a:ea typeface="+mn-lt"/>
-                <a:cs typeface="+mn-lt"/>
-              </a:rPr>
-              <a:t>esteja</a:t>
-            </a:r>
-            <a:r>
-              <a:rPr lang="de-DE" sz="2800" dirty="0">
-                <a:solidFill>
-                  <a:schemeClr val="bg1"/>
-                </a:solidFill>
-                <a:ea typeface="+mn-lt"/>
-                <a:cs typeface="+mn-lt"/>
-              </a:rPr>
-              <a:t> </a:t>
-            </a:r>
-            <a:r>
-              <a:rPr lang="de-DE" sz="2800" dirty="0" err="1">
-                <a:solidFill>
-                  <a:schemeClr val="bg1"/>
-                </a:solidFill>
-                <a:ea typeface="+mn-lt"/>
-                <a:cs typeface="+mn-lt"/>
-              </a:rPr>
-              <a:t>alinhado</a:t>
-            </a:r>
-            <a:r>
-              <a:rPr lang="de-DE" sz="2800" dirty="0">
-                <a:solidFill>
-                  <a:schemeClr val="bg1"/>
-                </a:solidFill>
-                <a:ea typeface="+mn-lt"/>
-                <a:cs typeface="+mn-lt"/>
-              </a:rPr>
-              <a:t> </a:t>
-            </a:r>
-            <a:r>
-              <a:rPr lang="de-DE" sz="2800" dirty="0" err="1">
-                <a:solidFill>
-                  <a:schemeClr val="bg1"/>
-                </a:solidFill>
-                <a:ea typeface="+mn-lt"/>
-                <a:cs typeface="+mn-lt"/>
-              </a:rPr>
-              <a:t>com</a:t>
-            </a:r>
-            <a:r>
-              <a:rPr lang="de-DE" sz="2800" dirty="0">
-                <a:solidFill>
-                  <a:schemeClr val="bg1"/>
-                </a:solidFill>
-                <a:ea typeface="+mn-lt"/>
-                <a:cs typeface="+mn-lt"/>
-              </a:rPr>
-              <a:t> </a:t>
-            </a:r>
-            <a:r>
-              <a:rPr lang="de-DE" sz="2800" dirty="0" err="1">
-                <a:solidFill>
-                  <a:schemeClr val="bg1"/>
-                </a:solidFill>
-                <a:ea typeface="+mn-lt"/>
-                <a:cs typeface="+mn-lt"/>
-              </a:rPr>
-              <a:t>as</a:t>
-            </a:r>
-            <a:r>
-              <a:rPr lang="de-DE" sz="2800" dirty="0">
-                <a:solidFill>
-                  <a:schemeClr val="bg1"/>
-                </a:solidFill>
-                <a:ea typeface="+mn-lt"/>
-                <a:cs typeface="+mn-lt"/>
-              </a:rPr>
-              <a:t> </a:t>
-            </a:r>
-            <a:r>
-              <a:rPr lang="de-DE" sz="2800" dirty="0" err="1">
-                <a:solidFill>
-                  <a:schemeClr val="bg1"/>
-                </a:solidFill>
-                <a:ea typeface="+mn-lt"/>
-                <a:cs typeface="+mn-lt"/>
-              </a:rPr>
-              <a:t>expectativas</a:t>
-            </a:r>
-            <a:r>
-              <a:rPr lang="de-DE" sz="2800" dirty="0">
-                <a:solidFill>
-                  <a:schemeClr val="bg1"/>
-                </a:solidFill>
-                <a:ea typeface="+mn-lt"/>
-                <a:cs typeface="+mn-lt"/>
-              </a:rPr>
-              <a:t> e </a:t>
-            </a:r>
-            <a:r>
-              <a:rPr lang="de-DE" sz="2800" dirty="0" err="1">
-                <a:solidFill>
-                  <a:schemeClr val="bg1"/>
-                </a:solidFill>
-                <a:ea typeface="+mn-lt"/>
-                <a:cs typeface="+mn-lt"/>
-              </a:rPr>
-              <a:t>requisitos</a:t>
-            </a:r>
-            <a:r>
-              <a:rPr lang="de-DE" sz="2800" dirty="0">
-                <a:solidFill>
-                  <a:schemeClr val="bg1"/>
-                </a:solidFill>
-                <a:ea typeface="+mn-lt"/>
-                <a:cs typeface="+mn-lt"/>
-              </a:rPr>
-              <a:t> do </a:t>
-            </a:r>
-            <a:r>
-              <a:rPr lang="de-DE" sz="2800" dirty="0" err="1">
-                <a:solidFill>
-                  <a:schemeClr val="bg1"/>
-                </a:solidFill>
-                <a:ea typeface="+mn-lt"/>
-                <a:cs typeface="+mn-lt"/>
-              </a:rPr>
-              <a:t>usuário</a:t>
-            </a:r>
-            <a:r>
-              <a:rPr lang="de-DE" sz="2800" dirty="0">
-                <a:solidFill>
-                  <a:schemeClr val="bg1"/>
-                </a:solidFill>
-                <a:ea typeface="+mn-lt"/>
-                <a:cs typeface="+mn-lt"/>
-              </a:rPr>
-              <a:t> final. Esse </a:t>
-            </a:r>
-            <a:r>
-              <a:rPr lang="de-DE" sz="2800" dirty="0" err="1">
-                <a:solidFill>
-                  <a:schemeClr val="bg1"/>
-                </a:solidFill>
-                <a:ea typeface="+mn-lt"/>
-                <a:cs typeface="+mn-lt"/>
-              </a:rPr>
-              <a:t>tipo</a:t>
-            </a:r>
-            <a:r>
-              <a:rPr lang="de-DE" sz="2800" dirty="0">
-                <a:solidFill>
-                  <a:schemeClr val="bg1"/>
-                </a:solidFill>
-                <a:ea typeface="+mn-lt"/>
-                <a:cs typeface="+mn-lt"/>
-              </a:rPr>
-              <a:t> de teste é </a:t>
-            </a:r>
-            <a:r>
-              <a:rPr lang="de-DE" sz="2800" dirty="0" err="1">
-                <a:solidFill>
-                  <a:schemeClr val="bg1"/>
-                </a:solidFill>
-                <a:ea typeface="+mn-lt"/>
-                <a:cs typeface="+mn-lt"/>
-              </a:rPr>
-              <a:t>realizado</a:t>
-            </a:r>
-            <a:r>
-              <a:rPr lang="de-DE" sz="2800" dirty="0">
-                <a:solidFill>
-                  <a:schemeClr val="bg1"/>
-                </a:solidFill>
-                <a:ea typeface="+mn-lt"/>
-                <a:cs typeface="+mn-lt"/>
-              </a:rPr>
-              <a:t> </a:t>
-            </a:r>
-            <a:r>
-              <a:rPr lang="de-DE" sz="2800" dirty="0" err="1">
-                <a:solidFill>
-                  <a:schemeClr val="bg1"/>
-                </a:solidFill>
-                <a:ea typeface="+mn-lt"/>
-                <a:cs typeface="+mn-lt"/>
-              </a:rPr>
-              <a:t>após</a:t>
-            </a:r>
-            <a:r>
-              <a:rPr lang="de-DE" sz="2800" dirty="0">
-                <a:solidFill>
-                  <a:schemeClr val="bg1"/>
-                </a:solidFill>
-                <a:ea typeface="+mn-lt"/>
-                <a:cs typeface="+mn-lt"/>
-              </a:rPr>
-              <a:t> </a:t>
-            </a:r>
-            <a:r>
-              <a:rPr lang="de-DE" sz="2800" dirty="0" err="1">
-                <a:solidFill>
-                  <a:schemeClr val="bg1"/>
-                </a:solidFill>
-                <a:ea typeface="+mn-lt"/>
-                <a:cs typeface="+mn-lt"/>
-              </a:rPr>
-              <a:t>os</a:t>
-            </a:r>
-            <a:r>
-              <a:rPr lang="de-DE" sz="2800" dirty="0">
-                <a:solidFill>
-                  <a:schemeClr val="bg1"/>
-                </a:solidFill>
-                <a:ea typeface="+mn-lt"/>
-                <a:cs typeface="+mn-lt"/>
-              </a:rPr>
-              <a:t> </a:t>
-            </a:r>
-            <a:r>
-              <a:rPr lang="de-DE" sz="2800" dirty="0" err="1">
-                <a:solidFill>
-                  <a:schemeClr val="bg1"/>
-                </a:solidFill>
-                <a:ea typeface="+mn-lt"/>
-                <a:cs typeface="+mn-lt"/>
-              </a:rPr>
-              <a:t>testes</a:t>
-            </a:r>
-            <a:r>
-              <a:rPr lang="de-DE" sz="2800" dirty="0">
-                <a:solidFill>
-                  <a:schemeClr val="bg1"/>
-                </a:solidFill>
-                <a:ea typeface="+mn-lt"/>
-                <a:cs typeface="+mn-lt"/>
-              </a:rPr>
-              <a:t> </a:t>
-            </a:r>
-            <a:r>
-              <a:rPr lang="de-DE" sz="2800" dirty="0" err="1">
-                <a:solidFill>
-                  <a:schemeClr val="bg1"/>
-                </a:solidFill>
-                <a:ea typeface="+mn-lt"/>
-                <a:cs typeface="+mn-lt"/>
-              </a:rPr>
-              <a:t>unitários</a:t>
-            </a:r>
-            <a:r>
-              <a:rPr lang="de-DE" sz="2800" dirty="0">
-                <a:solidFill>
-                  <a:schemeClr val="bg1"/>
-                </a:solidFill>
-                <a:ea typeface="+mn-lt"/>
-                <a:cs typeface="+mn-lt"/>
-              </a:rPr>
-              <a:t> e de </a:t>
-            </a:r>
-            <a:r>
-              <a:rPr lang="de-DE" sz="2800" dirty="0" err="1">
-                <a:solidFill>
-                  <a:schemeClr val="bg1"/>
-                </a:solidFill>
-                <a:ea typeface="+mn-lt"/>
-                <a:cs typeface="+mn-lt"/>
-              </a:rPr>
-              <a:t>integração</a:t>
-            </a:r>
-            <a:r>
-              <a:rPr lang="de-DE" sz="2800" dirty="0">
-                <a:solidFill>
-                  <a:schemeClr val="bg1"/>
-                </a:solidFill>
-                <a:ea typeface="+mn-lt"/>
-                <a:cs typeface="+mn-lt"/>
-              </a:rPr>
-              <a:t>, </a:t>
-            </a:r>
-            <a:r>
-              <a:rPr lang="de-DE" sz="2800" dirty="0" err="1">
-                <a:solidFill>
-                  <a:schemeClr val="bg1"/>
-                </a:solidFill>
-                <a:ea typeface="+mn-lt"/>
-                <a:cs typeface="+mn-lt"/>
-              </a:rPr>
-              <a:t>atuando</a:t>
-            </a:r>
-            <a:r>
-              <a:rPr lang="de-DE" sz="2800" dirty="0">
-                <a:solidFill>
-                  <a:schemeClr val="bg1"/>
-                </a:solidFill>
-                <a:ea typeface="+mn-lt"/>
-                <a:cs typeface="+mn-lt"/>
-              </a:rPr>
-              <a:t> </a:t>
-            </a:r>
-            <a:r>
-              <a:rPr lang="de-DE" sz="2800" dirty="0" err="1">
-                <a:solidFill>
-                  <a:schemeClr val="bg1"/>
-                </a:solidFill>
-                <a:ea typeface="+mn-lt"/>
-                <a:cs typeface="+mn-lt"/>
-              </a:rPr>
-              <a:t>como</a:t>
-            </a:r>
-            <a:r>
-              <a:rPr lang="de-DE" sz="2800" dirty="0">
-                <a:solidFill>
-                  <a:schemeClr val="bg1"/>
-                </a:solidFill>
-                <a:ea typeface="+mn-lt"/>
-                <a:cs typeface="+mn-lt"/>
-              </a:rPr>
-              <a:t> </a:t>
-            </a:r>
-            <a:r>
-              <a:rPr lang="de-DE" sz="2800" dirty="0" err="1">
-                <a:solidFill>
-                  <a:schemeClr val="bg1"/>
-                </a:solidFill>
-                <a:ea typeface="+mn-lt"/>
-                <a:cs typeface="+mn-lt"/>
-              </a:rPr>
-              <a:t>uma</a:t>
-            </a:r>
-            <a:r>
-              <a:rPr lang="de-DE" sz="2800" dirty="0">
-                <a:solidFill>
-                  <a:schemeClr val="bg1"/>
-                </a:solidFill>
-                <a:ea typeface="+mn-lt"/>
-                <a:cs typeface="+mn-lt"/>
-              </a:rPr>
-              <a:t> </a:t>
-            </a:r>
-            <a:r>
-              <a:rPr lang="de-DE" sz="2800" dirty="0" err="1">
-                <a:solidFill>
-                  <a:schemeClr val="bg1"/>
-                </a:solidFill>
-                <a:ea typeface="+mn-lt"/>
-                <a:cs typeface="+mn-lt"/>
-              </a:rPr>
-              <a:t>última</a:t>
-            </a:r>
-            <a:r>
-              <a:rPr lang="de-DE" sz="2800" dirty="0">
-                <a:solidFill>
-                  <a:schemeClr val="bg1"/>
-                </a:solidFill>
-                <a:ea typeface="+mn-lt"/>
-                <a:cs typeface="+mn-lt"/>
-              </a:rPr>
-              <a:t> </a:t>
-            </a:r>
-            <a:r>
-              <a:rPr lang="de-DE" sz="2800" dirty="0" err="1">
-                <a:solidFill>
-                  <a:schemeClr val="bg1"/>
-                </a:solidFill>
-                <a:ea typeface="+mn-lt"/>
-                <a:cs typeface="+mn-lt"/>
-              </a:rPr>
-              <a:t>linha</a:t>
-            </a:r>
-            <a:r>
-              <a:rPr lang="de-DE" sz="2800" dirty="0">
-                <a:solidFill>
-                  <a:schemeClr val="bg1"/>
-                </a:solidFill>
-                <a:ea typeface="+mn-lt"/>
-                <a:cs typeface="+mn-lt"/>
-              </a:rPr>
-              <a:t> de </a:t>
-            </a:r>
-            <a:r>
-              <a:rPr lang="de-DE" sz="2800" dirty="0" err="1">
-                <a:solidFill>
-                  <a:schemeClr val="bg1"/>
-                </a:solidFill>
-                <a:ea typeface="+mn-lt"/>
-                <a:cs typeface="+mn-lt"/>
-              </a:rPr>
-              <a:t>verificação</a:t>
-            </a:r>
-            <a:r>
-              <a:rPr lang="de-DE" sz="2800" dirty="0">
-                <a:solidFill>
-                  <a:schemeClr val="bg1"/>
-                </a:solidFill>
-                <a:ea typeface="+mn-lt"/>
-                <a:cs typeface="+mn-lt"/>
-              </a:rPr>
-              <a:t> </a:t>
-            </a:r>
-            <a:r>
-              <a:rPr lang="de-DE" sz="2800" dirty="0" err="1">
-                <a:solidFill>
-                  <a:schemeClr val="bg1"/>
-                </a:solidFill>
-                <a:ea typeface="+mn-lt"/>
-                <a:cs typeface="+mn-lt"/>
-              </a:rPr>
-              <a:t>antes</a:t>
-            </a:r>
-            <a:r>
-              <a:rPr lang="de-DE" sz="2800" dirty="0">
-                <a:solidFill>
-                  <a:schemeClr val="bg1"/>
-                </a:solidFill>
-                <a:ea typeface="+mn-lt"/>
-                <a:cs typeface="+mn-lt"/>
-              </a:rPr>
-              <a:t> de o </a:t>
-            </a:r>
-            <a:r>
-              <a:rPr lang="de-DE" sz="2800" dirty="0" err="1">
-                <a:solidFill>
-                  <a:schemeClr val="bg1"/>
-                </a:solidFill>
-                <a:ea typeface="+mn-lt"/>
-                <a:cs typeface="+mn-lt"/>
-              </a:rPr>
-              <a:t>software</a:t>
-            </a:r>
-            <a:r>
-              <a:rPr lang="de-DE" sz="2800" dirty="0">
-                <a:solidFill>
-                  <a:schemeClr val="bg1"/>
-                </a:solidFill>
-                <a:ea typeface="+mn-lt"/>
-                <a:cs typeface="+mn-lt"/>
-              </a:rPr>
-              <a:t> </a:t>
-            </a:r>
-            <a:r>
-              <a:rPr lang="de-DE" sz="2800" dirty="0" err="1">
-                <a:solidFill>
-                  <a:schemeClr val="bg1"/>
-                </a:solidFill>
-                <a:ea typeface="+mn-lt"/>
-                <a:cs typeface="+mn-lt"/>
-              </a:rPr>
-              <a:t>ser</a:t>
-            </a:r>
-            <a:r>
-              <a:rPr lang="de-DE" sz="2800" dirty="0">
-                <a:solidFill>
-                  <a:schemeClr val="bg1"/>
-                </a:solidFill>
-                <a:ea typeface="+mn-lt"/>
-                <a:cs typeface="+mn-lt"/>
-              </a:rPr>
-              <a:t> </a:t>
-            </a:r>
-            <a:r>
-              <a:rPr lang="de-DE" sz="2800" dirty="0" err="1">
-                <a:solidFill>
-                  <a:schemeClr val="bg1"/>
-                </a:solidFill>
-                <a:ea typeface="+mn-lt"/>
-                <a:cs typeface="+mn-lt"/>
-              </a:rPr>
-              <a:t>considerado</a:t>
-            </a:r>
-            <a:r>
-              <a:rPr lang="de-DE" sz="2800" dirty="0">
-                <a:solidFill>
-                  <a:schemeClr val="bg1"/>
-                </a:solidFill>
-                <a:ea typeface="+mn-lt"/>
-                <a:cs typeface="+mn-lt"/>
-              </a:rPr>
-              <a:t> </a:t>
-            </a:r>
-            <a:r>
-              <a:rPr lang="de-DE" sz="2800" dirty="0" err="1">
-                <a:solidFill>
-                  <a:schemeClr val="bg1"/>
-                </a:solidFill>
-                <a:ea typeface="+mn-lt"/>
-                <a:cs typeface="+mn-lt"/>
-              </a:rPr>
-              <a:t>pronto</a:t>
-            </a:r>
-            <a:r>
-              <a:rPr lang="de-DE" sz="2800" dirty="0">
-                <a:solidFill>
-                  <a:schemeClr val="bg1"/>
-                </a:solidFill>
-                <a:ea typeface="+mn-lt"/>
-                <a:cs typeface="+mn-lt"/>
-              </a:rPr>
-              <a:t> </a:t>
-            </a:r>
-            <a:r>
-              <a:rPr lang="de-DE" sz="2800" dirty="0" err="1">
-                <a:solidFill>
-                  <a:schemeClr val="bg1"/>
-                </a:solidFill>
-                <a:ea typeface="+mn-lt"/>
-                <a:cs typeface="+mn-lt"/>
-              </a:rPr>
-              <a:t>para</a:t>
-            </a:r>
-            <a:r>
-              <a:rPr lang="de-DE" sz="2800" dirty="0">
-                <a:solidFill>
-                  <a:schemeClr val="bg1"/>
-                </a:solidFill>
-                <a:ea typeface="+mn-lt"/>
-                <a:cs typeface="+mn-lt"/>
-              </a:rPr>
-              <a:t> o </a:t>
-            </a:r>
-            <a:r>
-              <a:rPr lang="de-DE" sz="2800" dirty="0" err="1">
-                <a:solidFill>
-                  <a:schemeClr val="bg1"/>
-                </a:solidFill>
-                <a:ea typeface="+mn-lt"/>
-                <a:cs typeface="+mn-lt"/>
-              </a:rPr>
-              <a:t>lançamento</a:t>
-            </a:r>
-            <a:r>
-              <a:rPr lang="de-DE" sz="2800" dirty="0">
-                <a:solidFill>
-                  <a:schemeClr val="bg1"/>
-                </a:solidFill>
-                <a:ea typeface="+mn-lt"/>
-                <a:cs typeface="+mn-lt"/>
-              </a:rPr>
-              <a:t>.</a:t>
-            </a:r>
-            <a:endParaRPr lang="pt-BR" dirty="0">
-              <a:solidFill>
-                <a:schemeClr val="bg1"/>
-              </a:solidFill>
-            </a:endParaRPr>
+              <a:t> a última verificação antes do lançamento do sistema.</a:t>
+            </a:r>
           </a:p>
         </p:txBody>
       </p:sp>
@@ -9715,794 +8107,61 @@
           <a:lstStyle/>
           <a:p>
             <a:r>
-              <a:rPr lang="de-DE">
+              <a:rPr lang="pt-BR" sz="2800" dirty="0">
                 <a:solidFill>
-                  <a:srgbClr val="FFFFFF"/>
+                  <a:schemeClr val="bg1"/>
                 </a:solidFill>
-                <a:ea typeface="+mn-lt"/>
-                <a:cs typeface="+mn-lt"/>
               </a:rPr>
-              <a:t>Teste de </a:t>
-            </a:r>
-            <a:r>
-              <a:rPr lang="de-DE" err="1">
+              <a:t>O Teste de Aceitação do Usuário (UAT) é realizado pelos usuários finais.</a:t>
+            </a:r>
+            <a:br>
+              <a:rPr lang="pt-BR" sz="2800" dirty="0">
                 <a:solidFill>
-                  <a:srgbClr val="FFFFFF"/>
+                  <a:schemeClr val="bg1"/>
                 </a:solidFill>
-                <a:ea typeface="+mn-lt"/>
-                <a:cs typeface="+mn-lt"/>
               </a:rPr>
-              <a:t>Aceitação</a:t>
-            </a:r>
-            <a:r>
-              <a:rPr lang="de-DE">
+            </a:br>
+            <a:r>
+              <a:rPr lang="pt-BR" sz="2800" dirty="0">
                 <a:solidFill>
-                  <a:srgbClr val="FFFFFF"/>
+                  <a:schemeClr val="bg1"/>
                 </a:solidFill>
-                <a:ea typeface="+mn-lt"/>
-                <a:cs typeface="+mn-lt"/>
               </a:rPr>
-              <a:t> do Usuário (UAT - User Acceptance Testing)</a:t>
-            </a:r>
-            <a:endParaRPr lang="pt-BR"/>
-          </a:p>
-          <a:p>
-            <a:r>
-              <a:rPr lang="de-DE" dirty="0">
+              <a:t>Verifica se o software atende às suas expectativas e necessidades.</a:t>
+            </a:r>
+            <a:br>
+              <a:rPr lang="pt-BR" sz="2800" dirty="0">
                 <a:solidFill>
-                  <a:srgbClr val="FFFFFF"/>
+                  <a:schemeClr val="bg1"/>
                 </a:solidFill>
-                <a:ea typeface="+mn-lt"/>
-                <a:cs typeface="+mn-lt"/>
               </a:rPr>
-              <a:t>É o </a:t>
-            </a:r>
-            <a:r>
-              <a:rPr lang="de-DE" dirty="0" err="1">
+            </a:br>
+            <a:r>
+              <a:rPr lang="pt-BR" sz="2800" dirty="0">
                 <a:solidFill>
-                  <a:srgbClr val="FFFFFF"/>
+                  <a:schemeClr val="bg1"/>
                 </a:solidFill>
-                <a:ea typeface="+mn-lt"/>
-                <a:cs typeface="+mn-lt"/>
               </a:rPr>
-              <a:t>tipo</a:t>
-            </a:r>
-            <a:r>
-              <a:rPr lang="de-DE" dirty="0">
+              <a:t>Garante que o sistema seja intuitivo e fácil de usar.</a:t>
+            </a:r>
+            <a:br>
+              <a:rPr lang="pt-BR" sz="2800" dirty="0">
                 <a:solidFill>
-                  <a:srgbClr val="FFFFFF"/>
+                  <a:schemeClr val="bg1"/>
                 </a:solidFill>
-                <a:ea typeface="+mn-lt"/>
-                <a:cs typeface="+mn-lt"/>
               </a:rPr>
-              <a:t> </a:t>
-            </a:r>
-            <a:r>
-              <a:rPr lang="de-DE" dirty="0" err="1">
+            </a:br>
+            <a:r>
+              <a:rPr lang="pt-BR" sz="2800" dirty="0">
                 <a:solidFill>
-                  <a:srgbClr val="FFFFFF"/>
+                  <a:schemeClr val="bg1"/>
                 </a:solidFill>
-                <a:ea typeface="+mn-lt"/>
-                <a:cs typeface="+mn-lt"/>
               </a:rPr>
-              <a:t>mais</a:t>
-            </a:r>
-            <a:r>
-              <a:rPr lang="de-DE" dirty="0">
-                <a:solidFill>
-                  <a:srgbClr val="FFFFFF"/>
-                </a:solidFill>
-                <a:ea typeface="+mn-lt"/>
-                <a:cs typeface="+mn-lt"/>
-              </a:rPr>
-              <a:t> </a:t>
-            </a:r>
-            <a:r>
-              <a:rPr lang="de-DE" dirty="0" err="1">
-                <a:solidFill>
-                  <a:srgbClr val="FFFFFF"/>
-                </a:solidFill>
-                <a:ea typeface="+mn-lt"/>
-                <a:cs typeface="+mn-lt"/>
-              </a:rPr>
-              <a:t>comum</a:t>
-            </a:r>
-            <a:r>
-              <a:rPr lang="de-DE" dirty="0">
-                <a:solidFill>
-                  <a:srgbClr val="FFFFFF"/>
-                </a:solidFill>
-                <a:ea typeface="+mn-lt"/>
-                <a:cs typeface="+mn-lt"/>
-              </a:rPr>
-              <a:t> de teste de </a:t>
-            </a:r>
-            <a:r>
-              <a:rPr lang="de-DE" dirty="0" err="1">
-                <a:solidFill>
-                  <a:srgbClr val="FFFFFF"/>
-                </a:solidFill>
-                <a:ea typeface="+mn-lt"/>
-                <a:cs typeface="+mn-lt"/>
-              </a:rPr>
-              <a:t>aceitação</a:t>
-            </a:r>
-            <a:r>
-              <a:rPr lang="de-DE" dirty="0">
-                <a:solidFill>
-                  <a:srgbClr val="FFFFFF"/>
-                </a:solidFill>
-                <a:ea typeface="+mn-lt"/>
-                <a:cs typeface="+mn-lt"/>
-              </a:rPr>
-              <a:t>, </a:t>
-            </a:r>
-            <a:r>
-              <a:rPr lang="de-DE" dirty="0" err="1">
-                <a:solidFill>
-                  <a:srgbClr val="FFFFFF"/>
-                </a:solidFill>
-                <a:ea typeface="+mn-lt"/>
-                <a:cs typeface="+mn-lt"/>
-              </a:rPr>
-              <a:t>no</a:t>
-            </a:r>
-            <a:r>
-              <a:rPr lang="de-DE" dirty="0">
-                <a:solidFill>
-                  <a:srgbClr val="FFFFFF"/>
-                </a:solidFill>
-                <a:ea typeface="+mn-lt"/>
-                <a:cs typeface="+mn-lt"/>
-              </a:rPr>
-              <a:t> </a:t>
-            </a:r>
-            <a:r>
-              <a:rPr lang="de-DE" dirty="0" err="1">
-                <a:solidFill>
-                  <a:srgbClr val="FFFFFF"/>
-                </a:solidFill>
-                <a:ea typeface="+mn-lt"/>
-                <a:cs typeface="+mn-lt"/>
-              </a:rPr>
-              <a:t>qual</a:t>
-            </a:r>
-            <a:r>
-              <a:rPr lang="de-DE" dirty="0">
-                <a:solidFill>
-                  <a:srgbClr val="FFFFFF"/>
-                </a:solidFill>
-                <a:ea typeface="+mn-lt"/>
-                <a:cs typeface="+mn-lt"/>
-              </a:rPr>
-              <a:t> </a:t>
-            </a:r>
-            <a:r>
-              <a:rPr lang="de-DE" dirty="0" err="1">
-                <a:solidFill>
-                  <a:srgbClr val="FFFFFF"/>
-                </a:solidFill>
-                <a:ea typeface="+mn-lt"/>
-                <a:cs typeface="+mn-lt"/>
-              </a:rPr>
-              <a:t>os</a:t>
-            </a:r>
-            <a:r>
-              <a:rPr lang="de-DE" dirty="0">
-                <a:solidFill>
-                  <a:srgbClr val="FFFFFF"/>
-                </a:solidFill>
-                <a:ea typeface="+mn-lt"/>
-                <a:cs typeface="+mn-lt"/>
-              </a:rPr>
-              <a:t> </a:t>
-            </a:r>
-            <a:r>
-              <a:rPr lang="de-DE" dirty="0" err="1">
-                <a:solidFill>
-                  <a:srgbClr val="FFFFFF"/>
-                </a:solidFill>
-                <a:ea typeface="+mn-lt"/>
-                <a:cs typeface="+mn-lt"/>
-              </a:rPr>
-              <a:t>usuários</a:t>
-            </a:r>
-            <a:r>
-              <a:rPr lang="de-DE" dirty="0">
-                <a:solidFill>
-                  <a:srgbClr val="FFFFFF"/>
-                </a:solidFill>
-                <a:ea typeface="+mn-lt"/>
-                <a:cs typeface="+mn-lt"/>
-              </a:rPr>
-              <a:t> </a:t>
-            </a:r>
-            <a:r>
-              <a:rPr lang="de-DE" dirty="0" err="1">
-                <a:solidFill>
-                  <a:srgbClr val="FFFFFF"/>
-                </a:solidFill>
-                <a:ea typeface="+mn-lt"/>
-                <a:cs typeface="+mn-lt"/>
-              </a:rPr>
-              <a:t>finais</a:t>
-            </a:r>
-            <a:r>
-              <a:rPr lang="de-DE" dirty="0">
-                <a:solidFill>
-                  <a:srgbClr val="FFFFFF"/>
-                </a:solidFill>
-                <a:ea typeface="+mn-lt"/>
-                <a:cs typeface="+mn-lt"/>
-              </a:rPr>
-              <a:t> </a:t>
-            </a:r>
-            <a:r>
-              <a:rPr lang="de-DE" dirty="0" err="1">
-                <a:solidFill>
-                  <a:srgbClr val="FFFFFF"/>
-                </a:solidFill>
-                <a:ea typeface="+mn-lt"/>
-                <a:cs typeface="+mn-lt"/>
-              </a:rPr>
-              <a:t>testam</a:t>
-            </a:r>
-            <a:r>
-              <a:rPr lang="de-DE" dirty="0">
-                <a:solidFill>
-                  <a:srgbClr val="FFFFFF"/>
-                </a:solidFill>
-                <a:ea typeface="+mn-lt"/>
-                <a:cs typeface="+mn-lt"/>
-              </a:rPr>
-              <a:t> o </a:t>
-            </a:r>
-            <a:r>
-              <a:rPr lang="de-DE" dirty="0" err="1">
-                <a:solidFill>
-                  <a:srgbClr val="FFFFFF"/>
-                </a:solidFill>
-                <a:ea typeface="+mn-lt"/>
-                <a:cs typeface="+mn-lt"/>
-              </a:rPr>
-              <a:t>software</a:t>
-            </a:r>
-            <a:r>
-              <a:rPr lang="de-DE" dirty="0">
-                <a:solidFill>
-                  <a:srgbClr val="FFFFFF"/>
-                </a:solidFill>
-                <a:ea typeface="+mn-lt"/>
-                <a:cs typeface="+mn-lt"/>
-              </a:rPr>
-              <a:t> </a:t>
-            </a:r>
-            <a:r>
-              <a:rPr lang="de-DE" dirty="0" err="1">
-                <a:solidFill>
-                  <a:srgbClr val="FFFFFF"/>
-                </a:solidFill>
-                <a:ea typeface="+mn-lt"/>
-                <a:cs typeface="+mn-lt"/>
-              </a:rPr>
-              <a:t>para</a:t>
-            </a:r>
-            <a:r>
-              <a:rPr lang="de-DE" dirty="0">
-                <a:solidFill>
-                  <a:srgbClr val="FFFFFF"/>
-                </a:solidFill>
-                <a:ea typeface="+mn-lt"/>
-                <a:cs typeface="+mn-lt"/>
-              </a:rPr>
-              <a:t> </a:t>
-            </a:r>
-            <a:r>
-              <a:rPr lang="de-DE" dirty="0" err="1">
-                <a:solidFill>
-                  <a:srgbClr val="FFFFFF"/>
-                </a:solidFill>
-                <a:ea typeface="+mn-lt"/>
-                <a:cs typeface="+mn-lt"/>
-              </a:rPr>
-              <a:t>verificar</a:t>
-            </a:r>
-            <a:r>
-              <a:rPr lang="de-DE" dirty="0">
-                <a:solidFill>
-                  <a:srgbClr val="FFFFFF"/>
-                </a:solidFill>
-                <a:ea typeface="+mn-lt"/>
-                <a:cs typeface="+mn-lt"/>
-              </a:rPr>
-              <a:t> se </a:t>
-            </a:r>
-            <a:r>
-              <a:rPr lang="de-DE" dirty="0" err="1">
-                <a:solidFill>
-                  <a:srgbClr val="FFFFFF"/>
-                </a:solidFill>
-                <a:ea typeface="+mn-lt"/>
-                <a:cs typeface="+mn-lt"/>
-              </a:rPr>
-              <a:t>ele</a:t>
-            </a:r>
-            <a:r>
-              <a:rPr lang="de-DE" dirty="0">
-                <a:solidFill>
-                  <a:srgbClr val="FFFFFF"/>
-                </a:solidFill>
-                <a:ea typeface="+mn-lt"/>
-                <a:cs typeface="+mn-lt"/>
-              </a:rPr>
-              <a:t> </a:t>
-            </a:r>
-            <a:r>
-              <a:rPr lang="de-DE" dirty="0" err="1">
-                <a:solidFill>
-                  <a:srgbClr val="FFFFFF"/>
-                </a:solidFill>
-                <a:ea typeface="+mn-lt"/>
-                <a:cs typeface="+mn-lt"/>
-              </a:rPr>
-              <a:t>cumpre</a:t>
-            </a:r>
-            <a:r>
-              <a:rPr lang="de-DE" dirty="0">
-                <a:solidFill>
-                  <a:srgbClr val="FFFFFF"/>
-                </a:solidFill>
-                <a:ea typeface="+mn-lt"/>
-                <a:cs typeface="+mn-lt"/>
-              </a:rPr>
-              <a:t> </a:t>
-            </a:r>
-            <a:r>
-              <a:rPr lang="de-DE" dirty="0" err="1">
-                <a:solidFill>
-                  <a:srgbClr val="FFFFFF"/>
-                </a:solidFill>
-                <a:ea typeface="+mn-lt"/>
-                <a:cs typeface="+mn-lt"/>
-              </a:rPr>
-              <a:t>suas</a:t>
-            </a:r>
-            <a:r>
-              <a:rPr lang="de-DE" dirty="0">
-                <a:solidFill>
-                  <a:srgbClr val="FFFFFF"/>
-                </a:solidFill>
-                <a:ea typeface="+mn-lt"/>
-                <a:cs typeface="+mn-lt"/>
-              </a:rPr>
-              <a:t> </a:t>
-            </a:r>
-            <a:r>
-              <a:rPr lang="de-DE" dirty="0" err="1">
-                <a:solidFill>
-                  <a:srgbClr val="FFFFFF"/>
-                </a:solidFill>
-                <a:ea typeface="+mn-lt"/>
-                <a:cs typeface="+mn-lt"/>
-              </a:rPr>
-              <a:t>expectativas</a:t>
-            </a:r>
-            <a:r>
-              <a:rPr lang="de-DE" dirty="0">
-                <a:solidFill>
-                  <a:srgbClr val="FFFFFF"/>
-                </a:solidFill>
-                <a:ea typeface="+mn-lt"/>
-                <a:cs typeface="+mn-lt"/>
-              </a:rPr>
-              <a:t> e </a:t>
-            </a:r>
-            <a:r>
-              <a:rPr lang="de-DE" dirty="0" err="1">
-                <a:solidFill>
-                  <a:srgbClr val="FFFFFF"/>
-                </a:solidFill>
-                <a:ea typeface="+mn-lt"/>
-                <a:cs typeface="+mn-lt"/>
-              </a:rPr>
-              <a:t>necessidades</a:t>
-            </a:r>
-            <a:r>
-              <a:rPr lang="de-DE" dirty="0">
-                <a:solidFill>
-                  <a:srgbClr val="FFFFFF"/>
-                </a:solidFill>
-                <a:ea typeface="+mn-lt"/>
-                <a:cs typeface="+mn-lt"/>
-              </a:rPr>
-              <a:t>. O UAT é </a:t>
-            </a:r>
-            <a:r>
-              <a:rPr lang="de-DE" dirty="0" err="1">
-                <a:solidFill>
-                  <a:srgbClr val="FFFFFF"/>
-                </a:solidFill>
-                <a:ea typeface="+mn-lt"/>
-                <a:cs typeface="+mn-lt"/>
-              </a:rPr>
-              <a:t>crucial</a:t>
-            </a:r>
-            <a:r>
-              <a:rPr lang="de-DE" dirty="0">
-                <a:solidFill>
-                  <a:srgbClr val="FFFFFF"/>
-                </a:solidFill>
-                <a:ea typeface="+mn-lt"/>
-                <a:cs typeface="+mn-lt"/>
-              </a:rPr>
-              <a:t> </a:t>
-            </a:r>
-            <a:r>
-              <a:rPr lang="de-DE" dirty="0" err="1">
-                <a:solidFill>
-                  <a:srgbClr val="FFFFFF"/>
-                </a:solidFill>
-                <a:ea typeface="+mn-lt"/>
-                <a:cs typeface="+mn-lt"/>
-              </a:rPr>
-              <a:t>para</a:t>
-            </a:r>
-            <a:r>
-              <a:rPr lang="de-DE" dirty="0">
-                <a:solidFill>
-                  <a:srgbClr val="FFFFFF"/>
-                </a:solidFill>
-                <a:ea typeface="+mn-lt"/>
-                <a:cs typeface="+mn-lt"/>
-              </a:rPr>
-              <a:t> </a:t>
-            </a:r>
-            <a:r>
-              <a:rPr lang="de-DE" dirty="0" err="1">
-                <a:solidFill>
-                  <a:srgbClr val="FFFFFF"/>
-                </a:solidFill>
-                <a:ea typeface="+mn-lt"/>
-                <a:cs typeface="+mn-lt"/>
-              </a:rPr>
-              <a:t>garantir</a:t>
-            </a:r>
-            <a:r>
-              <a:rPr lang="de-DE" dirty="0">
-                <a:solidFill>
-                  <a:srgbClr val="FFFFFF"/>
-                </a:solidFill>
-                <a:ea typeface="+mn-lt"/>
-                <a:cs typeface="+mn-lt"/>
-              </a:rPr>
-              <a:t> </a:t>
-            </a:r>
-            <a:r>
-              <a:rPr lang="de-DE" dirty="0" err="1">
-                <a:solidFill>
-                  <a:srgbClr val="FFFFFF"/>
-                </a:solidFill>
-                <a:ea typeface="+mn-lt"/>
-                <a:cs typeface="+mn-lt"/>
-              </a:rPr>
-              <a:t>que</a:t>
-            </a:r>
-            <a:r>
-              <a:rPr lang="de-DE" dirty="0">
-                <a:solidFill>
-                  <a:srgbClr val="FFFFFF"/>
-                </a:solidFill>
-                <a:ea typeface="+mn-lt"/>
-                <a:cs typeface="+mn-lt"/>
-              </a:rPr>
-              <a:t> o </a:t>
-            </a:r>
-            <a:r>
-              <a:rPr lang="de-DE" dirty="0" err="1">
-                <a:solidFill>
-                  <a:srgbClr val="FFFFFF"/>
-                </a:solidFill>
-                <a:ea typeface="+mn-lt"/>
-                <a:cs typeface="+mn-lt"/>
-              </a:rPr>
-              <a:t>software</a:t>
-            </a:r>
-            <a:r>
-              <a:rPr lang="de-DE" dirty="0">
-                <a:solidFill>
-                  <a:srgbClr val="FFFFFF"/>
-                </a:solidFill>
-                <a:ea typeface="+mn-lt"/>
-                <a:cs typeface="+mn-lt"/>
-              </a:rPr>
-              <a:t> </a:t>
-            </a:r>
-            <a:r>
-              <a:rPr lang="de-DE" dirty="0" err="1">
-                <a:solidFill>
-                  <a:srgbClr val="FFFFFF"/>
-                </a:solidFill>
-                <a:ea typeface="+mn-lt"/>
-                <a:cs typeface="+mn-lt"/>
-              </a:rPr>
-              <a:t>seja</a:t>
-            </a:r>
-            <a:r>
-              <a:rPr lang="de-DE" dirty="0">
-                <a:solidFill>
-                  <a:srgbClr val="FFFFFF"/>
-                </a:solidFill>
-                <a:ea typeface="+mn-lt"/>
-                <a:cs typeface="+mn-lt"/>
-              </a:rPr>
-              <a:t> </a:t>
-            </a:r>
-            <a:r>
-              <a:rPr lang="de-DE" dirty="0" err="1">
-                <a:solidFill>
-                  <a:srgbClr val="FFFFFF"/>
-                </a:solidFill>
-                <a:ea typeface="+mn-lt"/>
-                <a:cs typeface="+mn-lt"/>
-              </a:rPr>
-              <a:t>intuitivo</a:t>
-            </a:r>
-            <a:r>
-              <a:rPr lang="de-DE" dirty="0">
-                <a:solidFill>
-                  <a:srgbClr val="FFFFFF"/>
-                </a:solidFill>
-                <a:ea typeface="+mn-lt"/>
-                <a:cs typeface="+mn-lt"/>
-              </a:rPr>
-              <a:t>, </a:t>
-            </a:r>
-            <a:r>
-              <a:rPr lang="de-DE" dirty="0" err="1">
-                <a:solidFill>
-                  <a:srgbClr val="FFFFFF"/>
-                </a:solidFill>
-                <a:ea typeface="+mn-lt"/>
-                <a:cs typeface="+mn-lt"/>
-              </a:rPr>
-              <a:t>fácil</a:t>
-            </a:r>
-            <a:r>
-              <a:rPr lang="de-DE" dirty="0">
-                <a:solidFill>
-                  <a:srgbClr val="FFFFFF"/>
-                </a:solidFill>
-                <a:ea typeface="+mn-lt"/>
-                <a:cs typeface="+mn-lt"/>
-              </a:rPr>
-              <a:t> de </a:t>
-            </a:r>
-            <a:r>
-              <a:rPr lang="de-DE" dirty="0" err="1">
-                <a:solidFill>
-                  <a:srgbClr val="FFFFFF"/>
-                </a:solidFill>
-                <a:ea typeface="+mn-lt"/>
-                <a:cs typeface="+mn-lt"/>
-              </a:rPr>
-              <a:t>usar</a:t>
-            </a:r>
-            <a:r>
-              <a:rPr lang="de-DE" dirty="0">
-                <a:solidFill>
-                  <a:srgbClr val="FFFFFF"/>
-                </a:solidFill>
-                <a:ea typeface="+mn-lt"/>
-                <a:cs typeface="+mn-lt"/>
-              </a:rPr>
-              <a:t> e </a:t>
-            </a:r>
-            <a:r>
-              <a:rPr lang="de-DE" dirty="0" err="1">
-                <a:solidFill>
-                  <a:srgbClr val="FFFFFF"/>
-                </a:solidFill>
-                <a:ea typeface="+mn-lt"/>
-                <a:cs typeface="+mn-lt"/>
-              </a:rPr>
-              <a:t>eficaz</a:t>
-            </a:r>
-            <a:r>
-              <a:rPr lang="de-DE" dirty="0">
-                <a:solidFill>
-                  <a:srgbClr val="FFFFFF"/>
-                </a:solidFill>
-                <a:ea typeface="+mn-lt"/>
-                <a:cs typeface="+mn-lt"/>
-              </a:rPr>
-              <a:t> </a:t>
-            </a:r>
-            <a:r>
-              <a:rPr lang="de-DE" dirty="0" err="1">
-                <a:solidFill>
-                  <a:srgbClr val="FFFFFF"/>
-                </a:solidFill>
-                <a:ea typeface="+mn-lt"/>
-                <a:cs typeface="+mn-lt"/>
-              </a:rPr>
-              <a:t>em</a:t>
-            </a:r>
-            <a:r>
-              <a:rPr lang="de-DE" dirty="0">
-                <a:solidFill>
-                  <a:srgbClr val="FFFFFF"/>
-                </a:solidFill>
-                <a:ea typeface="+mn-lt"/>
-                <a:cs typeface="+mn-lt"/>
-              </a:rPr>
-              <a:t> </a:t>
-            </a:r>
-            <a:r>
-              <a:rPr lang="de-DE" dirty="0" err="1">
-                <a:solidFill>
-                  <a:srgbClr val="FFFFFF"/>
-                </a:solidFill>
-                <a:ea typeface="+mn-lt"/>
-                <a:cs typeface="+mn-lt"/>
-              </a:rPr>
-              <a:t>resolver</a:t>
-            </a:r>
-            <a:r>
-              <a:rPr lang="de-DE" dirty="0">
-                <a:solidFill>
-                  <a:srgbClr val="FFFFFF"/>
-                </a:solidFill>
-                <a:ea typeface="+mn-lt"/>
-                <a:cs typeface="+mn-lt"/>
-              </a:rPr>
-              <a:t> </a:t>
-            </a:r>
-            <a:r>
-              <a:rPr lang="de-DE" dirty="0" err="1">
-                <a:solidFill>
-                  <a:srgbClr val="FFFFFF"/>
-                </a:solidFill>
-                <a:ea typeface="+mn-lt"/>
-                <a:cs typeface="+mn-lt"/>
-              </a:rPr>
-              <a:t>os</a:t>
-            </a:r>
-            <a:r>
-              <a:rPr lang="de-DE" dirty="0">
-                <a:solidFill>
-                  <a:srgbClr val="FFFFFF"/>
-                </a:solidFill>
-                <a:ea typeface="+mn-lt"/>
-                <a:cs typeface="+mn-lt"/>
-              </a:rPr>
-              <a:t> </a:t>
-            </a:r>
-            <a:r>
-              <a:rPr lang="de-DE" dirty="0" err="1">
-                <a:solidFill>
-                  <a:srgbClr val="FFFFFF"/>
-                </a:solidFill>
-                <a:ea typeface="+mn-lt"/>
-                <a:cs typeface="+mn-lt"/>
-              </a:rPr>
-              <a:t>problemas</a:t>
-            </a:r>
-            <a:r>
-              <a:rPr lang="de-DE" dirty="0">
-                <a:solidFill>
-                  <a:srgbClr val="FFFFFF"/>
-                </a:solidFill>
-                <a:ea typeface="+mn-lt"/>
-                <a:cs typeface="+mn-lt"/>
-              </a:rPr>
-              <a:t> </a:t>
-            </a:r>
-            <a:r>
-              <a:rPr lang="de-DE" dirty="0" err="1">
-                <a:solidFill>
-                  <a:srgbClr val="FFFFFF"/>
-                </a:solidFill>
-                <a:ea typeface="+mn-lt"/>
-                <a:cs typeface="+mn-lt"/>
-              </a:rPr>
-              <a:t>para</a:t>
-            </a:r>
-            <a:r>
-              <a:rPr lang="de-DE" dirty="0">
-                <a:solidFill>
-                  <a:srgbClr val="FFFFFF"/>
-                </a:solidFill>
-                <a:ea typeface="+mn-lt"/>
-                <a:cs typeface="+mn-lt"/>
-              </a:rPr>
-              <a:t> </a:t>
-            </a:r>
-            <a:r>
-              <a:rPr lang="de-DE" dirty="0" err="1">
-                <a:solidFill>
-                  <a:srgbClr val="FFFFFF"/>
-                </a:solidFill>
-                <a:ea typeface="+mn-lt"/>
-                <a:cs typeface="+mn-lt"/>
-              </a:rPr>
-              <a:t>os</a:t>
-            </a:r>
-            <a:r>
-              <a:rPr lang="de-DE" dirty="0">
-                <a:solidFill>
-                  <a:srgbClr val="FFFFFF"/>
-                </a:solidFill>
-                <a:ea typeface="+mn-lt"/>
-                <a:cs typeface="+mn-lt"/>
-              </a:rPr>
-              <a:t> </a:t>
-            </a:r>
-            <a:r>
-              <a:rPr lang="de-DE" dirty="0" err="1">
-                <a:solidFill>
-                  <a:srgbClr val="FFFFFF"/>
-                </a:solidFill>
-                <a:ea typeface="+mn-lt"/>
-                <a:cs typeface="+mn-lt"/>
-              </a:rPr>
-              <a:t>quais</a:t>
-            </a:r>
-            <a:r>
-              <a:rPr lang="de-DE" dirty="0">
-                <a:solidFill>
-                  <a:srgbClr val="FFFFFF"/>
-                </a:solidFill>
-                <a:ea typeface="+mn-lt"/>
-                <a:cs typeface="+mn-lt"/>
-              </a:rPr>
-              <a:t> </a:t>
-            </a:r>
-            <a:r>
-              <a:rPr lang="de-DE" dirty="0" err="1">
-                <a:solidFill>
-                  <a:srgbClr val="FFFFFF"/>
-                </a:solidFill>
-                <a:ea typeface="+mn-lt"/>
-                <a:cs typeface="+mn-lt"/>
-              </a:rPr>
-              <a:t>foi</a:t>
-            </a:r>
-            <a:r>
-              <a:rPr lang="de-DE" dirty="0">
-                <a:solidFill>
-                  <a:srgbClr val="FFFFFF"/>
-                </a:solidFill>
-                <a:ea typeface="+mn-lt"/>
-                <a:cs typeface="+mn-lt"/>
-              </a:rPr>
-              <a:t> </a:t>
-            </a:r>
-            <a:r>
-              <a:rPr lang="de-DE" dirty="0" err="1">
-                <a:solidFill>
-                  <a:srgbClr val="FFFFFF"/>
-                </a:solidFill>
-                <a:ea typeface="+mn-lt"/>
-                <a:cs typeface="+mn-lt"/>
-              </a:rPr>
-              <a:t>projetado</a:t>
-            </a:r>
-            <a:r>
-              <a:rPr lang="de-DE" dirty="0">
-                <a:solidFill>
-                  <a:srgbClr val="FFFFFF"/>
-                </a:solidFill>
-                <a:ea typeface="+mn-lt"/>
-                <a:cs typeface="+mn-lt"/>
-              </a:rPr>
-              <a:t>.</a:t>
-            </a:r>
-            <a:endParaRPr lang="de-DE" dirty="0"/>
-          </a:p>
-          <a:p>
-            <a:endParaRPr lang="de-DE" dirty="0">
+              <a:t>Confirma se o software resolve os problemas para os quais foi criado.</a:t>
+            </a:r>
+            <a:endParaRPr lang="de-DE" sz="2800" dirty="0">
               <a:solidFill>
-                <a:srgbClr val="FFFFFF"/>
+                <a:schemeClr val="bg1"/>
               </a:solidFill>
               <a:ea typeface="Calibri"/>
               <a:cs typeface="Calibri"/>
